--- a/MM & ES Lab_Project-Proposal_Presentation_of_Team-Bratva.pptx
+++ b/MM & ES Lab_Project-Proposal_Presentation_of_Team-Bratva.pptx
@@ -234,7 +234,7 @@
           <a:p>
             <a:fld id="{FE5B4EDC-59C0-49C7-8ADA-5A781B329E02}" type="datetimeFigureOut">
               <a:rPr lang="en-US"/>
-              <a:t>10/25/2022</a:t>
+              <a:t>10/26/2022</a:t>
             </a:fld>
             <a:endParaRPr/>
           </a:p>
@@ -399,7 +399,7 @@
           <a:p>
             <a:fld id="{F2D8D46A-B586-417D-BFBD-8C8FE0AAF762}" type="datetimeFigureOut">
               <a:rPr lang="en-US"/>
-              <a:t>10/25/2022</a:t>
+              <a:t>10/26/2022</a:t>
             </a:fld>
             <a:endParaRPr/>
           </a:p>
@@ -1417,7 +1417,7 @@
           <a:p>
             <a:fld id="{F0DFD029-FB74-4578-B929-F66AA97659CA}" type="datetimeFigureOut">
               <a:rPr lang="en-US"/>
-              <a:t>10/25/2022</a:t>
+              <a:t>10/26/2022</a:t>
             </a:fld>
             <a:endParaRPr/>
           </a:p>
@@ -1615,7 +1615,7 @@
           <a:p>
             <a:fld id="{F0DFD029-FB74-4578-B929-F66AA97659CA}" type="datetimeFigureOut">
               <a:rPr lang="en-US"/>
-              <a:t>10/25/2022</a:t>
+              <a:t>10/26/2022</a:t>
             </a:fld>
             <a:endParaRPr/>
           </a:p>
@@ -1823,7 +1823,7 @@
           <a:p>
             <a:fld id="{F0DFD029-FB74-4578-B929-F66AA97659CA}" type="datetimeFigureOut">
               <a:rPr lang="en-US"/>
-              <a:t>10/25/2022</a:t>
+              <a:t>10/26/2022</a:t>
             </a:fld>
             <a:endParaRPr/>
           </a:p>
@@ -2021,7 +2021,7 @@
           <a:p>
             <a:fld id="{F0DFD029-FB74-4578-B929-F66AA97659CA}" type="datetimeFigureOut">
               <a:rPr lang="en-US"/>
-              <a:t>10/25/2022</a:t>
+              <a:t>10/26/2022</a:t>
             </a:fld>
             <a:endParaRPr/>
           </a:p>
@@ -2453,7 +2453,7 @@
           <a:p>
             <a:fld id="{F0DFD029-FB74-4578-B929-F66AA97659CA}" type="datetimeFigureOut">
               <a:rPr lang="en-US"/>
-              <a:t>10/25/2022</a:t>
+              <a:t>10/26/2022</a:t>
             </a:fld>
             <a:endParaRPr/>
           </a:p>
@@ -2757,7 +2757,7 @@
           <a:p>
             <a:fld id="{F0DFD029-FB74-4578-B929-F66AA97659CA}" type="datetimeFigureOut">
               <a:rPr lang="en-US"/>
-              <a:t>10/25/2022</a:t>
+              <a:t>10/26/2022</a:t>
             </a:fld>
             <a:endParaRPr/>
           </a:p>
@@ -3213,7 +3213,7 @@
           <a:p>
             <a:fld id="{F0DFD029-FB74-4578-B929-F66AA97659CA}" type="datetimeFigureOut">
               <a:rPr lang="en-US"/>
-              <a:t>10/25/2022</a:t>
+              <a:t>10/26/2022</a:t>
             </a:fld>
             <a:endParaRPr/>
           </a:p>
@@ -3343,7 +3343,7 @@
           <a:p>
             <a:fld id="{F0DFD029-FB74-4578-B929-F66AA97659CA}" type="datetimeFigureOut">
               <a:rPr lang="en-US"/>
-              <a:t>10/25/2022</a:t>
+              <a:t>10/26/2022</a:t>
             </a:fld>
             <a:endParaRPr/>
           </a:p>
@@ -3450,7 +3450,7 @@
           <a:p>
             <a:fld id="{F0DFD029-FB74-4578-B929-F66AA97659CA}" type="datetimeFigureOut">
               <a:rPr lang="en-US"/>
-              <a:t>10/25/2022</a:t>
+              <a:t>10/26/2022</a:t>
             </a:fld>
             <a:endParaRPr/>
           </a:p>
@@ -3749,7 +3749,7 @@
           <a:p>
             <a:fld id="{F0DFD029-FB74-4578-B929-F66AA97659CA}" type="datetimeFigureOut">
               <a:rPr lang="en-US"/>
-              <a:t>10/25/2022</a:t>
+              <a:t>10/26/2022</a:t>
             </a:fld>
             <a:endParaRPr/>
           </a:p>
@@ -4037,7 +4037,7 @@
           <a:p>
             <a:fld id="{F0DFD029-FB74-4578-B929-F66AA97659CA}" type="datetimeFigureOut">
               <a:rPr lang="en-US"/>
-              <a:t>10/25/2022</a:t>
+              <a:t>10/26/2022</a:t>
             </a:fld>
             <a:endParaRPr/>
           </a:p>
@@ -4660,7 +4660,7 @@
             <a:fld id="{F0DFD029-FB74-4578-B929-F66AA97659CA}" type="datetimeFigureOut">
               <a:rPr lang="en-US"/>
               <a:pPr/>
-              <a:t>10/25/2022</a:t>
+              <a:t>10/26/2022</a:t>
             </a:fld>
             <a:endParaRPr/>
           </a:p>
@@ -6579,13 +6579,13 @@
   <p:clrMapOvr>
     <a:masterClrMapping/>
   </p:clrMapOvr>
-  <mc:AlternateContent xmlns:mc="http://schemas.openxmlformats.org/markup-compatibility/2006">
-    <mc:Choice xmlns:p15="http://schemas.microsoft.com/office/powerpoint/2012/main" Requires="p15">
+  <mc:AlternateContent xmlns:mc="http://schemas.openxmlformats.org/markup-compatibility/2006" xmlns:p15="http://schemas.microsoft.com/office/powerpoint/2012/main">
+    <mc:Choice Requires="p15">
       <p:transition xmlns:p14="http://schemas.microsoft.com/office/powerpoint/2010/main" spd="slow" p14:dur="2000" advTm="73640">
         <p15:prstTrans prst="wind"/>
       </p:transition>
     </mc:Choice>
-    <mc:Fallback>
+    <mc:Fallback xmlns="">
       <p:transition spd="slow" advTm="73640">
         <p:fade/>
       </p:transition>
@@ -8241,13 +8241,13 @@
   <p:clrMapOvr>
     <a:masterClrMapping/>
   </p:clrMapOvr>
-  <mc:AlternateContent xmlns:mc="http://schemas.openxmlformats.org/markup-compatibility/2006">
-    <mc:Choice xmlns:p15="http://schemas.microsoft.com/office/powerpoint/2012/main" Requires="p15">
+  <mc:AlternateContent xmlns:mc="http://schemas.openxmlformats.org/markup-compatibility/2006" xmlns:p15="http://schemas.microsoft.com/office/powerpoint/2012/main">
+    <mc:Choice Requires="p15">
       <p:transition xmlns:p14="http://schemas.microsoft.com/office/powerpoint/2010/main" spd="slow" p14:dur="2000" advTm="73640">
         <p15:prstTrans prst="drape"/>
       </p:transition>
     </mc:Choice>
-    <mc:Fallback>
+    <mc:Fallback xmlns="">
       <p:transition spd="slow" advTm="73640">
         <p:fade/>
       </p:transition>
@@ -8949,13 +8949,13 @@
   <p:clrMapOvr>
     <a:masterClrMapping/>
   </p:clrMapOvr>
-  <mc:AlternateContent xmlns:mc="http://schemas.openxmlformats.org/markup-compatibility/2006">
-    <mc:Choice xmlns:p15="http://schemas.microsoft.com/office/powerpoint/2012/main" Requires="p15">
+  <mc:AlternateContent xmlns:mc="http://schemas.openxmlformats.org/markup-compatibility/2006" xmlns:p15="http://schemas.microsoft.com/office/powerpoint/2012/main">
+    <mc:Choice Requires="p15">
       <p:transition xmlns:p14="http://schemas.microsoft.com/office/powerpoint/2010/main" spd="slow" p14:dur="2000" advTm="73640">
         <p15:prstTrans prst="fallOver"/>
       </p:transition>
     </mc:Choice>
-    <mc:Fallback>
+    <mc:Fallback xmlns="">
       <p:transition spd="slow" advTm="73640">
         <p:fade/>
       </p:transition>
@@ -9918,13 +9918,13 @@
   <p:clrMapOvr>
     <a:masterClrMapping/>
   </p:clrMapOvr>
-  <mc:AlternateContent xmlns:mc="http://schemas.openxmlformats.org/markup-compatibility/2006">
-    <mc:Choice xmlns:p15="http://schemas.microsoft.com/office/powerpoint/2012/main" Requires="p15">
+  <mc:AlternateContent xmlns:mc="http://schemas.openxmlformats.org/markup-compatibility/2006" xmlns:p15="http://schemas.microsoft.com/office/powerpoint/2012/main">
+    <mc:Choice Requires="p15">
       <p:transition xmlns:p14="http://schemas.microsoft.com/office/powerpoint/2010/main" spd="slow" p14:dur="2000" advTm="73640">
         <p15:prstTrans prst="fallOver"/>
       </p:transition>
     </mc:Choice>
-    <mc:Fallback>
+    <mc:Fallback xmlns="">
       <p:transition spd="slow" advTm="73640">
         <p:fade/>
       </p:transition>
@@ -10937,13 +10937,13 @@
   <p:clrMapOvr>
     <a:masterClrMapping/>
   </p:clrMapOvr>
-  <mc:AlternateContent xmlns:mc="http://schemas.openxmlformats.org/markup-compatibility/2006">
-    <mc:Choice xmlns:p15="http://schemas.microsoft.com/office/powerpoint/2012/main" Requires="p15">
+  <mc:AlternateContent xmlns:mc="http://schemas.openxmlformats.org/markup-compatibility/2006" xmlns:p15="http://schemas.microsoft.com/office/powerpoint/2012/main">
+    <mc:Choice Requires="p15">
       <p:transition xmlns:p14="http://schemas.microsoft.com/office/powerpoint/2010/main" spd="slow" p14:dur="2000" advTm="73640">
         <p15:prstTrans prst="fallOver"/>
       </p:transition>
     </mc:Choice>
-    <mc:Fallback>
+    <mc:Fallback xmlns="">
       <p:transition spd="slow" advTm="73640">
         <p:fade/>
       </p:transition>
@@ -11332,8 +11332,8 @@
         </p:nvSpPr>
         <p:spPr>
           <a:xfrm>
-            <a:off x="2097667" y="1956265"/>
-            <a:ext cx="7688688" cy="3911135"/>
+            <a:off x="2097667" y="1750431"/>
+            <a:ext cx="7688688" cy="4445384"/>
           </a:xfrm>
           <a:prstGeom prst="rect">
             <a:avLst/>
@@ -11360,7 +11360,7 @@
               <a:buChar char=""/>
             </a:pPr>
             <a:r>
-              <a:rPr lang="en-US" dirty="0">
+              <a:rPr lang="en-US" sz="3200" dirty="0">
                 <a:solidFill>
                   <a:srgbClr val="000000"/>
                 </a:solidFill>
@@ -11375,9 +11375,9 @@
                 <a:ea typeface="Calibri" panose="020F0502020204030204" pitchFamily="34" charset="0"/>
                 <a:cs typeface="Vrinda" panose="020B0502040204020203" pitchFamily="34" charset="0"/>
               </a:rPr>
-              <a:t>Arduino Nano R3 x 1</a:t>
+              <a:t>Arduino UNO</a:t>
             </a:r>
-            <a:endParaRPr lang="en-US" sz="1800" dirty="0">
+            <a:endParaRPr lang="en-US" dirty="0">
               <a:latin typeface="Calibri" panose="020F0502020204030204" pitchFamily="34" charset="0"/>
               <a:ea typeface="Calibri" panose="020F0502020204030204" pitchFamily="34" charset="0"/>
               <a:cs typeface="Vrinda" panose="020B0502040204020203" pitchFamily="34" charset="0"/>
@@ -11398,7 +11398,7 @@
               <a:buChar char=""/>
             </a:pPr>
             <a:r>
-              <a:rPr lang="en-US" dirty="0">
+              <a:rPr lang="en-US" sz="3200" dirty="0">
                 <a:solidFill>
                   <a:srgbClr val="000000"/>
                 </a:solidFill>
@@ -11413,9 +11413,9 @@
                 <a:ea typeface="Calibri" panose="020F0502020204030204" pitchFamily="34" charset="0"/>
                 <a:cs typeface="Vrinda" panose="020B0502040204020203" pitchFamily="34" charset="0"/>
               </a:rPr>
-              <a:t>Adafruit Standard LCD - 16x2 White on Blue x 1</a:t>
+              <a:t>IR Sensors x 2</a:t>
             </a:r>
-            <a:endParaRPr lang="en-US" sz="1800" dirty="0">
+            <a:endParaRPr lang="en-US" dirty="0">
               <a:latin typeface="Calibri" panose="020F0502020204030204" pitchFamily="34" charset="0"/>
               <a:ea typeface="Calibri" panose="020F0502020204030204" pitchFamily="34" charset="0"/>
               <a:cs typeface="Vrinda" panose="020B0502040204020203" pitchFamily="34" charset="0"/>
@@ -11436,7 +11436,7 @@
               <a:buChar char=""/>
             </a:pPr>
             <a:r>
-              <a:rPr lang="en-US" b="1" dirty="0">
+              <a:rPr lang="en-US" sz="3200" dirty="0">
                 <a:solidFill>
                   <a:srgbClr val="000000"/>
                 </a:solidFill>
@@ -11451,9 +11451,50 @@
                 <a:ea typeface="Calibri" panose="020F0502020204030204" pitchFamily="34" charset="0"/>
                 <a:cs typeface="Vrinda" panose="020B0502040204020203" pitchFamily="34" charset="0"/>
               </a:rPr>
-              <a:t>Ultrasonic Sensor - HC-SR04 (Generic) x 1</a:t>
+              <a:t>16X2 LCD Display Module</a:t>
             </a:r>
-            <a:endParaRPr lang="en-US" sz="1800" dirty="0">
+            <a:endParaRPr lang="en-US" dirty="0">
+              <a:latin typeface="Calibri" panose="020F0502020204030204" pitchFamily="34" charset="0"/>
+              <a:ea typeface="Calibri" panose="020F0502020204030204" pitchFamily="34" charset="0"/>
+              <a:cs typeface="Vrinda" panose="020B0502040204020203" pitchFamily="34" charset="0"/>
+            </a:endParaRPr>
+          </a:p>
+          <a:p>
+            <a:pPr marL="342900" marR="0" lvl="0" indent="-342900" algn="just">
+              <a:lnSpc>
+                <a:spcPct val="150000"/>
+              </a:lnSpc>
+              <a:spcBef>
+                <a:spcPts val="0"/>
+              </a:spcBef>
+              <a:spcAft>
+                <a:spcPts val="0"/>
+              </a:spcAft>
+              <a:buFont typeface="Wingdings" panose="05000000000000000000" pitchFamily="2" charset="2"/>
+              <a:buChar char=""/>
+              <a:tabLst>
+                <a:tab pos="1143000" algn="l"/>
+              </a:tabLst>
+            </a:pPr>
+            <a:r>
+              <a:rPr lang="en-US" sz="3200" dirty="0">
+                <a:solidFill>
+                  <a:srgbClr val="000000"/>
+                </a:solidFill>
+                <a:effectLst>
+                  <a:outerShdw blurRad="38100" dist="19050" dir="2700000" algn="tl">
+                    <a:schemeClr val="dk1">
+                      <a:alpha val="40000"/>
+                    </a:schemeClr>
+                  </a:outerShdw>
+                </a:effectLst>
+                <a:latin typeface="Times New Roman" panose="02020603050405020304" pitchFamily="18" charset="0"/>
+                <a:ea typeface="Calibri" panose="020F0502020204030204" pitchFamily="34" charset="0"/>
+                <a:cs typeface="Vrinda" panose="020B0502040204020203" pitchFamily="34" charset="0"/>
+              </a:rPr>
+              <a:t>Breadboard</a:t>
+            </a:r>
+            <a:endParaRPr lang="en-US" dirty="0">
               <a:latin typeface="Calibri" panose="020F0502020204030204" pitchFamily="34" charset="0"/>
               <a:ea typeface="Calibri" panose="020F0502020204030204" pitchFamily="34" charset="0"/>
               <a:cs typeface="Vrinda" panose="020B0502040204020203" pitchFamily="34" charset="0"/>
@@ -11474,7 +11515,7 @@
               <a:buChar char=""/>
             </a:pPr>
             <a:r>
-              <a:rPr lang="en-US" dirty="0">
+              <a:rPr lang="en-US" sz="3200" dirty="0">
                 <a:solidFill>
                   <a:srgbClr val="000000"/>
                 </a:solidFill>
@@ -11489,9 +11530,9 @@
                 <a:ea typeface="Calibri" panose="020F0502020204030204" pitchFamily="34" charset="0"/>
                 <a:cs typeface="Vrinda" panose="020B0502040204020203" pitchFamily="34" charset="0"/>
               </a:rPr>
-              <a:t>LED (generic) x 1</a:t>
+              <a:t>Connecting Wires</a:t>
             </a:r>
-            <a:endParaRPr lang="en-US" sz="1800" dirty="0">
+            <a:endParaRPr lang="en-US" dirty="0">
               <a:latin typeface="Calibri" panose="020F0502020204030204" pitchFamily="34" charset="0"/>
               <a:ea typeface="Calibri" panose="020F0502020204030204" pitchFamily="34" charset="0"/>
               <a:cs typeface="Vrinda" panose="020B0502040204020203" pitchFamily="34" charset="0"/>
@@ -11512,7 +11553,7 @@
               <a:buChar char=""/>
             </a:pPr>
             <a:r>
-              <a:rPr lang="en-US" dirty="0">
+              <a:rPr lang="en-US" sz="3200" dirty="0">
                 <a:solidFill>
                   <a:srgbClr val="000000"/>
                 </a:solidFill>
@@ -11527,78 +11568,7 @@
                 <a:ea typeface="Calibri" panose="020F0502020204030204" pitchFamily="34" charset="0"/>
                 <a:cs typeface="Vrinda" panose="020B0502040204020203" pitchFamily="34" charset="0"/>
               </a:rPr>
-              <a:t>Resistor 330-ohm x 1</a:t>
-            </a:r>
-            <a:endParaRPr lang="en-US" sz="1800" dirty="0">
-              <a:latin typeface="Calibri" panose="020F0502020204030204" pitchFamily="34" charset="0"/>
-              <a:ea typeface="Calibri" panose="020F0502020204030204" pitchFamily="34" charset="0"/>
-              <a:cs typeface="Vrinda" panose="020B0502040204020203" pitchFamily="34" charset="0"/>
-            </a:endParaRPr>
-          </a:p>
-          <a:p>
-            <a:pPr marL="342900" marR="0" lvl="0" indent="-342900" algn="just">
-              <a:lnSpc>
-                <a:spcPct val="150000"/>
-              </a:lnSpc>
-              <a:spcBef>
-                <a:spcPts val="0"/>
-              </a:spcBef>
-              <a:spcAft>
-                <a:spcPts val="0"/>
-              </a:spcAft>
-              <a:buFont typeface="Wingdings" panose="05000000000000000000" pitchFamily="2" charset="2"/>
-              <a:buChar char=""/>
-            </a:pPr>
-            <a:r>
-              <a:rPr lang="en-US" dirty="0">
-                <a:solidFill>
-                  <a:srgbClr val="000000"/>
-                </a:solidFill>
-                <a:effectLst>
-                  <a:outerShdw blurRad="38100" dist="19050" dir="2700000" algn="tl">
-                    <a:schemeClr val="dk1">
-                      <a:alpha val="40000"/>
-                    </a:schemeClr>
-                  </a:outerShdw>
-                </a:effectLst>
-                <a:latin typeface="Times New Roman" panose="02020603050405020304" pitchFamily="18" charset="0"/>
-                <a:ea typeface="Calibri" panose="020F0502020204030204" pitchFamily="34" charset="0"/>
-                <a:cs typeface="Vrinda" panose="020B0502040204020203" pitchFamily="34" charset="0"/>
-              </a:rPr>
-              <a:t>Single Turn Potentiometer- 10k ohms x 1</a:t>
-            </a:r>
-          </a:p>
-          <a:p>
-            <a:pPr marL="342900" marR="0" lvl="0" indent="-342900" algn="just">
-              <a:lnSpc>
-                <a:spcPct val="150000"/>
-              </a:lnSpc>
-              <a:spcBef>
-                <a:spcPts val="0"/>
-              </a:spcBef>
-              <a:spcAft>
-                <a:spcPts val="0"/>
-              </a:spcAft>
-              <a:buFont typeface="Wingdings" panose="05000000000000000000" pitchFamily="2" charset="2"/>
-              <a:buChar char=""/>
-            </a:pPr>
-            <a:r>
-              <a:rPr lang="en-US" dirty="0">
-                <a:solidFill>
-                  <a:srgbClr val="000000"/>
-                </a:solidFill>
-                <a:effectLst>
-                  <a:outerShdw blurRad="38100" dist="19050" dir="2700000" algn="tl">
-                    <a:schemeClr val="dk1">
-                      <a:alpha val="40000"/>
-                    </a:schemeClr>
-                  </a:outerShdw>
-                </a:effectLst>
-                <a:latin typeface="Times New Roman" panose="02020603050405020304" pitchFamily="18" charset="0"/>
-                <a:ea typeface="Calibri" panose="020F0502020204030204" pitchFamily="34" charset="0"/>
-                <a:cs typeface="Vrinda" panose="020B0502040204020203" pitchFamily="34" charset="0"/>
-              </a:rPr>
-              <a:t>Some Connecting Wire</a:t>
+              <a:t>Power Supply</a:t>
             </a:r>
             <a:endParaRPr lang="en-US" dirty="0">
               <a:latin typeface="Calibri" panose="020F0502020204030204" pitchFamily="34" charset="0"/>
@@ -11684,13 +11654,13 @@
   <p:clrMapOvr>
     <a:masterClrMapping/>
   </p:clrMapOvr>
-  <mc:AlternateContent xmlns:mc="http://schemas.openxmlformats.org/markup-compatibility/2006">
-    <mc:Choice xmlns:p15="http://schemas.microsoft.com/office/powerpoint/2012/main" Requires="p15">
+  <mc:AlternateContent xmlns:mc="http://schemas.openxmlformats.org/markup-compatibility/2006" xmlns:p15="http://schemas.microsoft.com/office/powerpoint/2012/main">
+    <mc:Choice Requires="p15">
       <p:transition xmlns:p14="http://schemas.microsoft.com/office/powerpoint/2010/main" spd="slow" p14:dur="2000" advTm="73640">
         <p15:prstTrans prst="fallOver"/>
       </p:transition>
     </mc:Choice>
-    <mc:Fallback>
+    <mc:Fallback xmlns="">
       <p:transition spd="slow" advTm="73640">
         <p:fade/>
       </p:transition>
@@ -13878,362 +13848,6 @@
                                           <p:spTgt spid="4">
                                             <p:txEl>
                                               <p:pRg st="5" end="5"/>
-                                            </p:txEl>
-                                          </p:spTgt>
-                                        </p:tgtEl>
-                                      </p:cBhvr>
-                                      <p:to x="100000" y="100000"/>
-                                    </p:animScale>
-                                  </p:childTnLst>
-                                </p:cTn>
-                              </p:par>
-                            </p:childTnLst>
-                          </p:cTn>
-                        </p:par>
-                      </p:childTnLst>
-                    </p:cTn>
-                  </p:par>
-                  <p:par>
-                    <p:cTn id="116" fill="hold">
-                      <p:stCondLst>
-                        <p:cond delay="indefinite"/>
-                      </p:stCondLst>
-                      <p:childTnLst>
-                        <p:par>
-                          <p:cTn id="117" fill="hold">
-                            <p:stCondLst>
-                              <p:cond delay="0"/>
-                            </p:stCondLst>
-                            <p:childTnLst>
-                              <p:par>
-                                <p:cTn id="118" presetID="26" presetClass="entr" presetSubtype="0" fill="hold" grpId="0" nodeType="clickEffect">
-                                  <p:stCondLst>
-                                    <p:cond delay="0"/>
-                                  </p:stCondLst>
-                                  <p:childTnLst>
-                                    <p:set>
-                                      <p:cBhvr>
-                                        <p:cTn id="119" dur="1" fill="hold">
-                                          <p:stCondLst>
-                                            <p:cond delay="0"/>
-                                          </p:stCondLst>
-                                        </p:cTn>
-                                        <p:tgtEl>
-                                          <p:spTgt spid="4">
-                                            <p:txEl>
-                                              <p:pRg st="6" end="6"/>
-                                            </p:txEl>
-                                          </p:spTgt>
-                                        </p:tgtEl>
-                                        <p:attrNameLst>
-                                          <p:attrName>style.visibility</p:attrName>
-                                        </p:attrNameLst>
-                                      </p:cBhvr>
-                                      <p:to>
-                                        <p:strVal val="visible"/>
-                                      </p:to>
-                                    </p:set>
-                                    <p:animEffect transition="in" filter="wipe(down)">
-                                      <p:cBhvr>
-                                        <p:cTn id="120" dur="580">
-                                          <p:stCondLst>
-                                            <p:cond delay="0"/>
-                                          </p:stCondLst>
-                                        </p:cTn>
-                                        <p:tgtEl>
-                                          <p:spTgt spid="4">
-                                            <p:txEl>
-                                              <p:pRg st="6" end="6"/>
-                                            </p:txEl>
-                                          </p:spTgt>
-                                        </p:tgtEl>
-                                      </p:cBhvr>
-                                    </p:animEffect>
-                                    <p:anim calcmode="lin" valueType="num">
-                                      <p:cBhvr>
-                                        <p:cTn id="121" dur="1822" tmFilter="0,0; 0.14,0.36; 0.43,0.73; 0.71,0.91; 1.0,1.0">
-                                          <p:stCondLst>
-                                            <p:cond delay="0"/>
-                                          </p:stCondLst>
-                                        </p:cTn>
-                                        <p:tgtEl>
-                                          <p:spTgt spid="4">
-                                            <p:txEl>
-                                              <p:pRg st="6" end="6"/>
-                                            </p:txEl>
-                                          </p:spTgt>
-                                        </p:tgtEl>
-                                        <p:attrNameLst>
-                                          <p:attrName>ppt_x</p:attrName>
-                                        </p:attrNameLst>
-                                      </p:cBhvr>
-                                      <p:tavLst>
-                                        <p:tav tm="0">
-                                          <p:val>
-                                            <p:strVal val="#ppt_x-0.25"/>
-                                          </p:val>
-                                        </p:tav>
-                                        <p:tav tm="100000">
-                                          <p:val>
-                                            <p:strVal val="#ppt_x"/>
-                                          </p:val>
-                                        </p:tav>
-                                      </p:tavLst>
-                                    </p:anim>
-                                    <p:anim calcmode="lin" valueType="num">
-                                      <p:cBhvr>
-                                        <p:cTn id="122" dur="664" tmFilter="0.0,0.0; 0.25,0.07; 0.50,0.2; 0.75,0.467; 1.0,1.0">
-                                          <p:stCondLst>
-                                            <p:cond delay="0"/>
-                                          </p:stCondLst>
-                                        </p:cTn>
-                                        <p:tgtEl>
-                                          <p:spTgt spid="4">
-                                            <p:txEl>
-                                              <p:pRg st="6" end="6"/>
-                                            </p:txEl>
-                                          </p:spTgt>
-                                        </p:tgtEl>
-                                        <p:attrNameLst>
-                                          <p:attrName>ppt_y</p:attrName>
-                                        </p:attrNameLst>
-                                      </p:cBhvr>
-                                      <p:tavLst>
-                                        <p:tav tm="0" fmla="#ppt_y-sin(pi*$)/3">
-                                          <p:val>
-                                            <p:fltVal val="0.5"/>
-                                          </p:val>
-                                        </p:tav>
-                                        <p:tav tm="100000">
-                                          <p:val>
-                                            <p:fltVal val="1"/>
-                                          </p:val>
-                                        </p:tav>
-                                      </p:tavLst>
-                                    </p:anim>
-                                    <p:anim calcmode="lin" valueType="num">
-                                      <p:cBhvr>
-                                        <p:cTn id="123" dur="664" tmFilter="0, 0; 0.125,0.2665; 0.25,0.4; 0.375,0.465; 0.5,0.5;  0.625,0.535; 0.75,0.6; 0.875,0.7335; 1,1">
-                                          <p:stCondLst>
-                                            <p:cond delay="664"/>
-                                          </p:stCondLst>
-                                        </p:cTn>
-                                        <p:tgtEl>
-                                          <p:spTgt spid="4">
-                                            <p:txEl>
-                                              <p:pRg st="6" end="6"/>
-                                            </p:txEl>
-                                          </p:spTgt>
-                                        </p:tgtEl>
-                                        <p:attrNameLst>
-                                          <p:attrName>ppt_y</p:attrName>
-                                        </p:attrNameLst>
-                                      </p:cBhvr>
-                                      <p:tavLst>
-                                        <p:tav tm="0" fmla="#ppt_y-sin(pi*$)/9">
-                                          <p:val>
-                                            <p:fltVal val="0"/>
-                                          </p:val>
-                                        </p:tav>
-                                        <p:tav tm="100000">
-                                          <p:val>
-                                            <p:fltVal val="1"/>
-                                          </p:val>
-                                        </p:tav>
-                                      </p:tavLst>
-                                    </p:anim>
-                                    <p:anim calcmode="lin" valueType="num">
-                                      <p:cBhvr>
-                                        <p:cTn id="124" dur="332" tmFilter="0, 0; 0.125,0.2665; 0.25,0.4; 0.375,0.465; 0.5,0.5;  0.625,0.535; 0.75,0.6; 0.875,0.7335; 1,1">
-                                          <p:stCondLst>
-                                            <p:cond delay="1324"/>
-                                          </p:stCondLst>
-                                        </p:cTn>
-                                        <p:tgtEl>
-                                          <p:spTgt spid="4">
-                                            <p:txEl>
-                                              <p:pRg st="6" end="6"/>
-                                            </p:txEl>
-                                          </p:spTgt>
-                                        </p:tgtEl>
-                                        <p:attrNameLst>
-                                          <p:attrName>ppt_y</p:attrName>
-                                        </p:attrNameLst>
-                                      </p:cBhvr>
-                                      <p:tavLst>
-                                        <p:tav tm="0" fmla="#ppt_y-sin(pi*$)/27">
-                                          <p:val>
-                                            <p:fltVal val="0"/>
-                                          </p:val>
-                                        </p:tav>
-                                        <p:tav tm="100000">
-                                          <p:val>
-                                            <p:fltVal val="1"/>
-                                          </p:val>
-                                        </p:tav>
-                                      </p:tavLst>
-                                    </p:anim>
-                                    <p:anim calcmode="lin" valueType="num">
-                                      <p:cBhvr>
-                                        <p:cTn id="125" dur="164" tmFilter="0, 0; 0.125,0.2665; 0.25,0.4; 0.375,0.465; 0.5,0.5;  0.625,0.535; 0.75,0.6; 0.875,0.7335; 1,1">
-                                          <p:stCondLst>
-                                            <p:cond delay="1656"/>
-                                          </p:stCondLst>
-                                        </p:cTn>
-                                        <p:tgtEl>
-                                          <p:spTgt spid="4">
-                                            <p:txEl>
-                                              <p:pRg st="6" end="6"/>
-                                            </p:txEl>
-                                          </p:spTgt>
-                                        </p:tgtEl>
-                                        <p:attrNameLst>
-                                          <p:attrName>ppt_y</p:attrName>
-                                        </p:attrNameLst>
-                                      </p:cBhvr>
-                                      <p:tavLst>
-                                        <p:tav tm="0" fmla="#ppt_y-sin(pi*$)/81">
-                                          <p:val>
-                                            <p:fltVal val="0"/>
-                                          </p:val>
-                                        </p:tav>
-                                        <p:tav tm="100000">
-                                          <p:val>
-                                            <p:fltVal val="1"/>
-                                          </p:val>
-                                        </p:tav>
-                                      </p:tavLst>
-                                    </p:anim>
-                                    <p:animScale>
-                                      <p:cBhvr>
-                                        <p:cTn id="126" dur="26">
-                                          <p:stCondLst>
-                                            <p:cond delay="650"/>
-                                          </p:stCondLst>
-                                        </p:cTn>
-                                        <p:tgtEl>
-                                          <p:spTgt spid="4">
-                                            <p:txEl>
-                                              <p:pRg st="6" end="6"/>
-                                            </p:txEl>
-                                          </p:spTgt>
-                                        </p:tgtEl>
-                                      </p:cBhvr>
-                                      <p:to x="100000" y="60000"/>
-                                    </p:animScale>
-                                    <p:animScale>
-                                      <p:cBhvr>
-                                        <p:cTn id="127" dur="166" decel="50000">
-                                          <p:stCondLst>
-                                            <p:cond delay="676"/>
-                                          </p:stCondLst>
-                                        </p:cTn>
-                                        <p:tgtEl>
-                                          <p:spTgt spid="4">
-                                            <p:txEl>
-                                              <p:pRg st="6" end="6"/>
-                                            </p:txEl>
-                                          </p:spTgt>
-                                        </p:tgtEl>
-                                      </p:cBhvr>
-                                      <p:to x="100000" y="100000"/>
-                                    </p:animScale>
-                                    <p:animScale>
-                                      <p:cBhvr>
-                                        <p:cTn id="128" dur="26">
-                                          <p:stCondLst>
-                                            <p:cond delay="1312"/>
-                                          </p:stCondLst>
-                                        </p:cTn>
-                                        <p:tgtEl>
-                                          <p:spTgt spid="4">
-                                            <p:txEl>
-                                              <p:pRg st="6" end="6"/>
-                                            </p:txEl>
-                                          </p:spTgt>
-                                        </p:tgtEl>
-                                      </p:cBhvr>
-                                      <p:to x="100000" y="80000"/>
-                                    </p:animScale>
-                                    <p:animScale>
-                                      <p:cBhvr>
-                                        <p:cTn id="129" dur="166" decel="50000">
-                                          <p:stCondLst>
-                                            <p:cond delay="1338"/>
-                                          </p:stCondLst>
-                                        </p:cTn>
-                                        <p:tgtEl>
-                                          <p:spTgt spid="4">
-                                            <p:txEl>
-                                              <p:pRg st="6" end="6"/>
-                                            </p:txEl>
-                                          </p:spTgt>
-                                        </p:tgtEl>
-                                      </p:cBhvr>
-                                      <p:to x="100000" y="100000"/>
-                                    </p:animScale>
-                                    <p:animScale>
-                                      <p:cBhvr>
-                                        <p:cTn id="130" dur="26">
-                                          <p:stCondLst>
-                                            <p:cond delay="1642"/>
-                                          </p:stCondLst>
-                                        </p:cTn>
-                                        <p:tgtEl>
-                                          <p:spTgt spid="4">
-                                            <p:txEl>
-                                              <p:pRg st="6" end="6"/>
-                                            </p:txEl>
-                                          </p:spTgt>
-                                        </p:tgtEl>
-                                      </p:cBhvr>
-                                      <p:to x="100000" y="90000"/>
-                                    </p:animScale>
-                                    <p:animScale>
-                                      <p:cBhvr>
-                                        <p:cTn id="131" dur="166" decel="50000">
-                                          <p:stCondLst>
-                                            <p:cond delay="1668"/>
-                                          </p:stCondLst>
-                                        </p:cTn>
-                                        <p:tgtEl>
-                                          <p:spTgt spid="4">
-                                            <p:txEl>
-                                              <p:pRg st="6" end="6"/>
-                                            </p:txEl>
-                                          </p:spTgt>
-                                        </p:tgtEl>
-                                      </p:cBhvr>
-                                      <p:to x="100000" y="100000"/>
-                                    </p:animScale>
-                                    <p:animScale>
-                                      <p:cBhvr>
-                                        <p:cTn id="132" dur="26">
-                                          <p:stCondLst>
-                                            <p:cond delay="1808"/>
-                                          </p:stCondLst>
-                                        </p:cTn>
-                                        <p:tgtEl>
-                                          <p:spTgt spid="4">
-                                            <p:txEl>
-                                              <p:pRg st="6" end="6"/>
-                                            </p:txEl>
-                                          </p:spTgt>
-                                        </p:tgtEl>
-                                      </p:cBhvr>
-                                      <p:to x="100000" y="95000"/>
-                                    </p:animScale>
-                                    <p:animScale>
-                                      <p:cBhvr>
-                                        <p:cTn id="133" dur="166" decel="50000">
-                                          <p:stCondLst>
-                                            <p:cond delay="1834"/>
-                                          </p:stCondLst>
-                                        </p:cTn>
-                                        <p:tgtEl>
-                                          <p:spTgt spid="4">
-                                            <p:txEl>
-                                              <p:pRg st="6" end="6"/>
                                             </p:txEl>
                                           </p:spTgt>
                                         </p:tgtEl>
@@ -14475,10 +14089,10 @@
       </p:sp>
       <p:pic>
         <p:nvPicPr>
-          <p:cNvPr id="2" name="Picture 1">
+          <p:cNvPr id="5" name="Picture 4">
             <a:extLst>
               <a:ext uri="{FF2B5EF4-FFF2-40B4-BE49-F238E27FC236}">
-                <a16:creationId xmlns:a16="http://schemas.microsoft.com/office/drawing/2014/main" id="{3B77A2E3-67E2-230B-4DF3-625D9EBB726B}"/>
+                <a16:creationId xmlns:a16="http://schemas.microsoft.com/office/drawing/2014/main" id="{5EDCAC2A-2110-0163-DCD5-03DBC3BBD500}"/>
               </a:ext>
             </a:extLst>
           </p:cNvPr>
@@ -14488,7 +14102,7 @@
           <p:nvPr/>
         </p:nvPicPr>
         <p:blipFill>
-          <a:blip r:embed="rId3" cstate="print">
+          <a:blip r:embed="rId3">
             <a:extLst>
               <a:ext uri="{28A0092B-C50C-407E-A947-70E740481C1C}">
                 <a14:useLocalDpi xmlns:a14="http://schemas.microsoft.com/office/drawing/2010/main" val="0"/>
@@ -14501,8 +14115,8 @@
         </p:blipFill>
         <p:spPr>
           <a:xfrm>
-            <a:off x="1827212" y="2140792"/>
-            <a:ext cx="9143919" cy="3805535"/>
+            <a:off x="1446212" y="1882993"/>
+            <a:ext cx="9863137" cy="4289287"/>
           </a:xfrm>
           <a:prstGeom prst="round2DiagRect">
             <a:avLst>
@@ -14512,19 +14126,11 @@
           </a:prstGeom>
           <a:ln w="88900" cap="sq">
             <a:solidFill>
-              <a:schemeClr val="accent6">
-                <a:lumMod val="50000"/>
-              </a:schemeClr>
+              <a:srgbClr val="FFFFFF"/>
             </a:solidFill>
             <a:miter lim="800000"/>
           </a:ln>
           <a:effectLst>
-            <a:glow rad="228600">
-              <a:schemeClr val="accent3">
-                <a:satMod val="175000"/>
-                <a:alpha val="40000"/>
-              </a:schemeClr>
-            </a:glow>
             <a:outerShdw blurRad="254000" algn="tl" rotWithShape="0">
               <a:srgbClr val="000000">
                 <a:alpha val="43000"/>
@@ -14546,13 +14152,13 @@
   <p:clrMapOvr>
     <a:masterClrMapping/>
   </p:clrMapOvr>
-  <mc:AlternateContent xmlns:mc="http://schemas.openxmlformats.org/markup-compatibility/2006">
-    <mc:Choice xmlns:p15="http://schemas.microsoft.com/office/powerpoint/2012/main" Requires="p15">
+  <mc:AlternateContent xmlns:mc="http://schemas.openxmlformats.org/markup-compatibility/2006" xmlns:p15="http://schemas.microsoft.com/office/powerpoint/2012/main">
+    <mc:Choice Requires="p15">
       <p:transition xmlns:p14="http://schemas.microsoft.com/office/powerpoint/2010/main" spd="slow" p14:dur="2000" advTm="73640">
         <p15:prstTrans prst="fallOver"/>
       </p:transition>
     </mc:Choice>
-    <mc:Fallback>
+    <mc:Fallback xmlns="">
       <p:transition spd="slow" advTm="73640">
         <p:fade/>
       </p:transition>
@@ -14645,7 +14251,7 @@
                                           </p:stCondLst>
                                         </p:cTn>
                                         <p:tgtEl>
-                                          <p:spTgt spid="2"/>
+                                          <p:spTgt spid="5"/>
                                         </p:tgtEl>
                                         <p:attrNameLst>
                                           <p:attrName>r</p:attrName>
@@ -14660,7 +14266,7 @@
                                           </p:stCondLst>
                                         </p:cTn>
                                         <p:tgtEl>
-                                          <p:spTgt spid="2"/>
+                                          <p:spTgt spid="5"/>
                                         </p:tgtEl>
                                         <p:attrNameLst>
                                           <p:attrName>r</p:attrName>
@@ -14675,7 +14281,7 @@
                                           </p:stCondLst>
                                         </p:cTn>
                                         <p:tgtEl>
-                                          <p:spTgt spid="2"/>
+                                          <p:spTgt spid="5"/>
                                         </p:tgtEl>
                                         <p:attrNameLst>
                                           <p:attrName>r</p:attrName>
@@ -14690,7 +14296,7 @@
                                           </p:stCondLst>
                                         </p:cTn>
                                         <p:tgtEl>
-                                          <p:spTgt spid="2"/>
+                                          <p:spTgt spid="5"/>
                                         </p:tgtEl>
                                         <p:attrNameLst>
                                           <p:attrName>r</p:attrName>
@@ -14705,7 +14311,7 @@
                                           </p:stCondLst>
                                         </p:cTn>
                                         <p:tgtEl>
-                                          <p:spTgt spid="2"/>
+                                          <p:spTgt spid="5"/>
                                         </p:tgtEl>
                                         <p:attrNameLst>
                                           <p:attrName>r</p:attrName>
@@ -14895,8 +14501,8 @@
         </p:nvSpPr>
         <p:spPr>
           <a:xfrm>
-            <a:off x="2055812" y="1926054"/>
-            <a:ext cx="9102145" cy="3357137"/>
+            <a:off x="1827212" y="1926054"/>
+            <a:ext cx="9330745" cy="3357137"/>
           </a:xfrm>
           <a:prstGeom prst="rect">
             <a:avLst/>
@@ -14940,9 +14546,9 @@
                 <a:ea typeface="Calibri" panose="020F0502020204030204" pitchFamily="34" charset="0"/>
                 <a:cs typeface="Vrinda" panose="020B0502040204020203" pitchFamily="34" charset="0"/>
               </a:rPr>
-              <a:t>Arduino Nano R3 x 1 				-650 TK</a:t>
+              <a:t>Arduino UNO x 1				- 1250 TK</a:t>
             </a:r>
-            <a:endParaRPr lang="en-US" dirty="0">
+            <a:endParaRPr lang="en-US" sz="1800" dirty="0">
               <a:latin typeface="Calibri" panose="020F0502020204030204" pitchFamily="34" charset="0"/>
               <a:ea typeface="Calibri" panose="020F0502020204030204" pitchFamily="34" charset="0"/>
               <a:cs typeface="Vrinda" panose="020B0502040204020203" pitchFamily="34" charset="0"/>
@@ -14980,9 +14586,9 @@
                 <a:ea typeface="Calibri" panose="020F0502020204030204" pitchFamily="34" charset="0"/>
                 <a:cs typeface="Vrinda" panose="020B0502040204020203" pitchFamily="34" charset="0"/>
               </a:rPr>
-              <a:t>Adafruit Standard LCD - 16x2 White on Blue x 1	-250 TK</a:t>
+              <a:t>IR Sensors x 2					-  160 TK</a:t>
             </a:r>
-            <a:endParaRPr lang="en-US" dirty="0">
+            <a:endParaRPr lang="en-US" sz="1800" dirty="0">
               <a:latin typeface="Calibri" panose="020F0502020204030204" pitchFamily="34" charset="0"/>
               <a:ea typeface="Calibri" panose="020F0502020204030204" pitchFamily="34" charset="0"/>
               <a:cs typeface="Vrinda" panose="020B0502040204020203" pitchFamily="34" charset="0"/>
@@ -15020,9 +14626,9 @@
                 <a:ea typeface="Calibri" panose="020F0502020204030204" pitchFamily="34" charset="0"/>
                 <a:cs typeface="Vrinda" panose="020B0502040204020203" pitchFamily="34" charset="0"/>
               </a:rPr>
-              <a:t>Ultrasonic Sensor - HC-SR04 (Generic) x 1		- 95 TK</a:t>
+              <a:t>16X2 LCD Display Module x 1			-  250 TK</a:t>
             </a:r>
-            <a:endParaRPr lang="en-US" dirty="0">
+            <a:endParaRPr lang="en-US" sz="1800" dirty="0">
               <a:latin typeface="Calibri" panose="020F0502020204030204" pitchFamily="34" charset="0"/>
               <a:ea typeface="Calibri" panose="020F0502020204030204" pitchFamily="34" charset="0"/>
               <a:cs typeface="Vrinda" panose="020B0502040204020203" pitchFamily="34" charset="0"/>
@@ -15060,9 +14666,9 @@
                 <a:ea typeface="Calibri" panose="020F0502020204030204" pitchFamily="34" charset="0"/>
                 <a:cs typeface="Vrinda" panose="020B0502040204020203" pitchFamily="34" charset="0"/>
               </a:rPr>
-              <a:t>LED (generic) x 1				- 10 TK</a:t>
+              <a:t>Breadboard x 1					-  130 TK</a:t>
             </a:r>
-            <a:endParaRPr lang="en-US" dirty="0">
+            <a:endParaRPr lang="en-US" sz="1800" dirty="0">
               <a:latin typeface="Calibri" panose="020F0502020204030204" pitchFamily="34" charset="0"/>
               <a:ea typeface="Calibri" panose="020F0502020204030204" pitchFamily="34" charset="0"/>
               <a:cs typeface="Vrinda" panose="020B0502040204020203" pitchFamily="34" charset="0"/>
@@ -15100,9 +14706,9 @@
                 <a:ea typeface="Calibri" panose="020F0502020204030204" pitchFamily="34" charset="0"/>
                 <a:cs typeface="Vrinda" panose="020B0502040204020203" pitchFamily="34" charset="0"/>
               </a:rPr>
-              <a:t>Resistor 330-ohm x 1				-  5 TK</a:t>
+              <a:t>Connecting Wires				-   50 TK</a:t>
             </a:r>
-            <a:endParaRPr lang="en-US" dirty="0">
+            <a:endParaRPr lang="en-US" sz="1800" dirty="0">
               <a:latin typeface="Calibri" panose="020F0502020204030204" pitchFamily="34" charset="0"/>
               <a:ea typeface="Calibri" panose="020F0502020204030204" pitchFamily="34" charset="0"/>
               <a:cs typeface="Vrinda" panose="020B0502040204020203" pitchFamily="34" charset="0"/>
@@ -15140,9 +14746,9 @@
                 <a:ea typeface="Calibri" panose="020F0502020204030204" pitchFamily="34" charset="0"/>
                 <a:cs typeface="Vrinda" panose="020B0502040204020203" pitchFamily="34" charset="0"/>
               </a:rPr>
-              <a:t>Single Turn Potentiometer- 10k ohms x 1		- 30 TK</a:t>
+              <a:t>Power Supply x 1				-  150 TK</a:t>
             </a:r>
-            <a:endParaRPr lang="en-US" dirty="0">
+            <a:endParaRPr lang="en-US" sz="1800" dirty="0">
               <a:latin typeface="Calibri" panose="020F0502020204030204" pitchFamily="34" charset="0"/>
               <a:ea typeface="Calibri" panose="020F0502020204030204" pitchFamily="34" charset="0"/>
               <a:cs typeface="Vrinda" panose="020B0502040204020203" pitchFamily="34" charset="0"/>
@@ -15255,7 +14861,7 @@
                 <a:ea typeface="Calibri" panose="020F0502020204030204" pitchFamily="34" charset="0"/>
                 <a:cs typeface="Vrinda" panose="020B0502040204020203" pitchFamily="34" charset="0"/>
               </a:rPr>
-              <a:t>Here, Our Total Estimated Cost Is 1000 TK To 1200 TK.</a:t>
+              <a:t>Here, Our Total Estimated Cost Is 2000 TK To 2200 TK.</a:t>
             </a:r>
             <a:endParaRPr lang="en-US" sz="2800" dirty="0">
               <a:solidFill>
@@ -15281,13 +14887,13 @@
   <p:clrMapOvr>
     <a:masterClrMapping/>
   </p:clrMapOvr>
-  <mc:AlternateContent xmlns:mc="http://schemas.openxmlformats.org/markup-compatibility/2006">
-    <mc:Choice xmlns:p15="http://schemas.microsoft.com/office/powerpoint/2012/main" Requires="p15">
+  <mc:AlternateContent xmlns:mc="http://schemas.openxmlformats.org/markup-compatibility/2006" xmlns:p15="http://schemas.microsoft.com/office/powerpoint/2012/main">
+    <mc:Choice Requires="p15">
       <p:transition xmlns:p14="http://schemas.microsoft.com/office/powerpoint/2010/main" spd="slow" p14:dur="2000" advTm="73640">
         <p15:prstTrans prst="fallOver"/>
       </p:transition>
     </mc:Choice>
-    <mc:Fallback>
+    <mc:Fallback xmlns="">
       <p:transition spd="slow" advTm="73640">
         <p:fade/>
       </p:transition>
@@ -18575,15 +18181,6 @@
 </file>
 
 <file path=customXml/item1.xml><?xml version="1.0" encoding="utf-8"?>
-<?mso-contentType ?>
-<FormTemplates xmlns="http://schemas.microsoft.com/sharepoint/v3/contenttype/forms">
-  <Display>DocumentLibraryForm</Display>
-  <Edit>AssetEditForm</Edit>
-  <New>DocumentLibraryForm</New>
-</FormTemplates>
-</file>
-
-<file path=customXml/item2.xml><?xml version="1.0" encoding="utf-8"?>
 <ct:contentTypeSchema xmlns:ct="http://schemas.microsoft.com/office/2006/metadata/contentType" xmlns:ma="http://schemas.microsoft.com/office/2006/metadata/properties/metaAttributes" ct:_="" ma:_="" ma:contentTypeName="TemplateFile" ma:contentTypeID="0x0101006EDDDB5EE6D98C44930B742096920B300400F5B6D36B3EF94B4E9A635CDF2A18F5B8" ma:contentTypeVersion="72" ma:contentTypeDescription="Create a new document." ma:contentTypeScope="" ma:versionID="a23e56308344d904b51738559c3d67c9">
   <xsd:schema xmlns:xsd="http://www.w3.org/2001/XMLSchema" xmlns:xs="http://www.w3.org/2001/XMLSchema" xmlns:p="http://schemas.microsoft.com/office/2006/metadata/properties" xmlns:ns2="4873beb7-5857-4685-be1f-d57550cc96cc" targetNamespace="http://schemas.microsoft.com/office/2006/metadata/properties" ma:root="true" ma:fieldsID="cd0908cc4600e77bf5da051303e00c8d" ns2:_="">
     <xsd:import namespace="4873beb7-5857-4685-be1f-d57550cc96cc"/>
@@ -19623,6 +19220,15 @@
 </ct:contentTypeSchema>
 </file>
 
+<file path=customXml/item2.xml><?xml version="1.0" encoding="utf-8"?>
+<?mso-contentType ?>
+<FormTemplates xmlns="http://schemas.microsoft.com/sharepoint/v3/contenttype/forms">
+  <Display>DocumentLibraryForm</Display>
+  <Edit>AssetEditForm</Edit>
+  <New>DocumentLibraryForm</New>
+</FormTemplates>
+</file>
+
 <file path=customXml/item3.xml><?xml version="1.0" encoding="utf-8"?>
 <p:properties xmlns:p="http://schemas.microsoft.com/office/2006/metadata/properties" xmlns:xsi="http://www.w3.org/2001/XMLSchema-instance" xmlns:pc="http://schemas.microsoft.com/office/infopath/2007/PartnerControls">
   <documentManagement>
@@ -19760,14 +19366,6 @@
 </file>
 
 <file path=customXml/itemProps1.xml><?xml version="1.0" encoding="utf-8"?>
-<ds:datastoreItem xmlns:ds="http://schemas.openxmlformats.org/officeDocument/2006/customXml" ds:itemID="{3836F65B-1B07-41EE-A0E8-BC6EF3855225}">
-  <ds:schemaRefs>
-    <ds:schemaRef ds:uri="http://schemas.microsoft.com/sharepoint/v3/contenttype/forms"/>
-  </ds:schemaRefs>
-</ds:datastoreItem>
-</file>
-
-<file path=customXml/itemProps2.xml><?xml version="1.0" encoding="utf-8"?>
 <ds:datastoreItem xmlns:ds="http://schemas.openxmlformats.org/officeDocument/2006/customXml" ds:itemID="{A09BF4D4-EF60-4196-BFC3-9462D607978C}">
   <ds:schemaRefs>
     <ds:schemaRef ds:uri="http://schemas.microsoft.com/office/2006/metadata/contentType"/>
@@ -19785,16 +19383,24 @@
 </ds:datastoreItem>
 </file>
 
+<file path=customXml/itemProps2.xml><?xml version="1.0" encoding="utf-8"?>
+<ds:datastoreItem xmlns:ds="http://schemas.openxmlformats.org/officeDocument/2006/customXml" ds:itemID="{3836F65B-1B07-41EE-A0E8-BC6EF3855225}">
+  <ds:schemaRefs>
+    <ds:schemaRef ds:uri="http://schemas.microsoft.com/sharepoint/v3/contenttype/forms"/>
+  </ds:schemaRefs>
+</ds:datastoreItem>
+</file>
+
 <file path=customXml/itemProps3.xml><?xml version="1.0" encoding="utf-8"?>
 <ds:datastoreItem xmlns:ds="http://schemas.openxmlformats.org/officeDocument/2006/customXml" ds:itemID="{60C67BEE-D13F-4BD2-98A5-34D8A0977F68}">
   <ds:schemaRefs>
+    <ds:schemaRef ds:uri="http://schemas.microsoft.com/office/2006/documentManagement/types"/>
     <ds:schemaRef ds:uri="http://schemas.microsoft.com/office/infopath/2007/PartnerControls"/>
+    <ds:schemaRef ds:uri="http://www.w3.org/XML/1998/namespace"/>
+    <ds:schemaRef ds:uri="http://purl.org/dc/dcmitype/"/>
+    <ds:schemaRef ds:uri="http://schemas.openxmlformats.org/package/2006/metadata/core-properties"/>
+    <ds:schemaRef ds:uri="http://schemas.microsoft.com/office/2006/metadata/properties"/>
     <ds:schemaRef ds:uri="http://purl.org/dc/elements/1.1/"/>
-    <ds:schemaRef ds:uri="http://www.w3.org/XML/1998/namespace"/>
-    <ds:schemaRef ds:uri="http://schemas.openxmlformats.org/package/2006/metadata/core-properties"/>
-    <ds:schemaRef ds:uri="http://purl.org/dc/dcmitype/"/>
-    <ds:schemaRef ds:uri="http://schemas.microsoft.com/office/2006/documentManagement/types"/>
-    <ds:schemaRef ds:uri="http://schemas.microsoft.com/office/2006/metadata/properties"/>
     <ds:schemaRef ds:uri="4873beb7-5857-4685-be1f-d57550cc96cc"/>
     <ds:schemaRef ds:uri="http://purl.org/dc/terms/"/>
   </ds:schemaRefs>
